--- a/MOVIE APPLICATION WEBSITE PPT (2).pptx
+++ b/MOVIE APPLICATION WEBSITE PPT (2).pptx
@@ -122,7 +122,7 @@
   </p:defaultTextStyle>
   <p:extLst>
     <p:ext uri="{EFAFB233-063F-42B5-8137-9DF3F51BA10A}">
-      <p15:sldGuideLst xmlns="" xmlns:p15="http://schemas.microsoft.com/office/powerpoint/2012/main">
+      <p15:sldGuideLst xmlns:p15="http://schemas.microsoft.com/office/powerpoint/2012/main" xmlns="">
         <p15:guide id="1" orient="horz" pos="2160">
           <p15:clr>
             <a:srgbClr val="A4A3A4"/>
@@ -231,7 +231,7 @@
             <a:fld id="{5399114D-74C6-42BE-A064-E3A5636DB31F}" type="datetimeFigureOut">
               <a:rPr lang="en-US" smtClean="0"/>
               <a:pPr/>
-              <a:t>10/3/2023</a:t>
+              <a:t>10/4/2023</a:t>
             </a:fld>
             <a:endParaRPr lang="en-US" dirty="0"/>
           </a:p>
@@ -518,7 +518,7 @@
           <p:cNvPr id="2" name="Title 1">
             <a:extLst>
               <a:ext uri="{FF2B5EF4-FFF2-40B4-BE49-F238E27FC236}">
-                <a16:creationId xmlns="" xmlns:a16="http://schemas.microsoft.com/office/drawing/2014/main" id="{B8BFAC73-2EB4-4433-8B75-732987DF0A96}"/>
+                <a16:creationId xmlns:a16="http://schemas.microsoft.com/office/drawing/2014/main" xmlns="" id="{B8BFAC73-2EB4-4433-8B75-732987DF0A96}"/>
               </a:ext>
             </a:extLst>
           </p:cNvPr>
@@ -555,7 +555,7 @@
           <p:cNvPr id="3" name="Subtitle 2">
             <a:extLst>
               <a:ext uri="{FF2B5EF4-FFF2-40B4-BE49-F238E27FC236}">
-                <a16:creationId xmlns="" xmlns:a16="http://schemas.microsoft.com/office/drawing/2014/main" id="{3705A1EC-66A9-46F6-B75E-0946DC7D1C1F}"/>
+                <a16:creationId xmlns:a16="http://schemas.microsoft.com/office/drawing/2014/main" xmlns="" id="{3705A1EC-66A9-46F6-B75E-0946DC7D1C1F}"/>
               </a:ext>
             </a:extLst>
           </p:cNvPr>
@@ -625,7 +625,7 @@
           <p:cNvPr id="4" name="Date Placeholder 3">
             <a:extLst>
               <a:ext uri="{FF2B5EF4-FFF2-40B4-BE49-F238E27FC236}">
-                <a16:creationId xmlns="" xmlns:a16="http://schemas.microsoft.com/office/drawing/2014/main" id="{8D1FFAD6-F090-4B1F-B087-FB5923C89786}"/>
+                <a16:creationId xmlns:a16="http://schemas.microsoft.com/office/drawing/2014/main" xmlns="" id="{8D1FFAD6-F090-4B1F-B087-FB5923C89786}"/>
               </a:ext>
             </a:extLst>
           </p:cNvPr>
@@ -644,7 +644,7 @@
             <a:fld id="{E2D8FADD-6202-4527-A926-D42CDB9819F7}" type="datetime1">
               <a:rPr lang="en-US" smtClean="0"/>
               <a:pPr/>
-              <a:t>10/3/2023</a:t>
+              <a:t>10/4/2023</a:t>
             </a:fld>
             <a:endParaRPr lang="en-US" dirty="0"/>
           </a:p>
@@ -655,7 +655,7 @@
           <p:cNvPr id="5" name="Footer Placeholder 4">
             <a:extLst>
               <a:ext uri="{FF2B5EF4-FFF2-40B4-BE49-F238E27FC236}">
-                <a16:creationId xmlns="" xmlns:a16="http://schemas.microsoft.com/office/drawing/2014/main" id="{285F0C12-AC2A-4F08-9734-8A51A2DEC5B9}"/>
+                <a16:creationId xmlns:a16="http://schemas.microsoft.com/office/drawing/2014/main" xmlns="" id="{285F0C12-AC2A-4F08-9734-8A51A2DEC5B9}"/>
               </a:ext>
             </a:extLst>
           </p:cNvPr>
@@ -683,7 +683,7 @@
           <p:cNvPr id="6" name="Slide Number Placeholder 5">
             <a:extLst>
               <a:ext uri="{FF2B5EF4-FFF2-40B4-BE49-F238E27FC236}">
-                <a16:creationId xmlns="" xmlns:a16="http://schemas.microsoft.com/office/drawing/2014/main" id="{94B3EBC5-1CDB-468D-8083-91B0DD878FDE}"/>
+                <a16:creationId xmlns:a16="http://schemas.microsoft.com/office/drawing/2014/main" xmlns="" id="{94B3EBC5-1CDB-468D-8083-91B0DD878FDE}"/>
               </a:ext>
             </a:extLst>
           </p:cNvPr>
@@ -711,7 +711,7 @@
     </p:spTree>
     <p:extLst>
       <p:ext uri="{BB962C8B-B14F-4D97-AF65-F5344CB8AC3E}">
-        <p14:creationId xmlns="" xmlns:p14="http://schemas.microsoft.com/office/powerpoint/2010/main" val="1211613454"/>
+        <p14:creationId xmlns:p14="http://schemas.microsoft.com/office/powerpoint/2010/main" xmlns="" val="1211613454"/>
       </p:ext>
     </p:extLst>
   </p:cSld>
@@ -746,7 +746,7 @@
           <p:cNvPr id="2" name="Title 1">
             <a:extLst>
               <a:ext uri="{FF2B5EF4-FFF2-40B4-BE49-F238E27FC236}">
-                <a16:creationId xmlns="" xmlns:a16="http://schemas.microsoft.com/office/drawing/2014/main" id="{7EB8F7FA-D94C-4559-8356-1D4E12FECAA9}"/>
+                <a16:creationId xmlns:a16="http://schemas.microsoft.com/office/drawing/2014/main" xmlns="" id="{7EB8F7FA-D94C-4559-8356-1D4E12FECAA9}"/>
               </a:ext>
             </a:extLst>
           </p:cNvPr>
@@ -774,7 +774,7 @@
           <p:cNvPr id="3" name="Vertical Text Placeholder 2">
             <a:extLst>
               <a:ext uri="{FF2B5EF4-FFF2-40B4-BE49-F238E27FC236}">
-                <a16:creationId xmlns="" xmlns:a16="http://schemas.microsoft.com/office/drawing/2014/main" id="{C1F41C8E-C6B9-4C94-993A-512FF6165423}"/>
+                <a16:creationId xmlns:a16="http://schemas.microsoft.com/office/drawing/2014/main" xmlns="" id="{C1F41C8E-C6B9-4C94-993A-512FF6165423}"/>
               </a:ext>
             </a:extLst>
           </p:cNvPr>
@@ -831,7 +831,7 @@
           <p:cNvPr id="4" name="Date Placeholder 3">
             <a:extLst>
               <a:ext uri="{FF2B5EF4-FFF2-40B4-BE49-F238E27FC236}">
-                <a16:creationId xmlns="" xmlns:a16="http://schemas.microsoft.com/office/drawing/2014/main" id="{B37AA4AC-5189-4F6F-96D0-3BF9753A6455}"/>
+                <a16:creationId xmlns:a16="http://schemas.microsoft.com/office/drawing/2014/main" xmlns="" id="{B37AA4AC-5189-4F6F-96D0-3BF9753A6455}"/>
               </a:ext>
             </a:extLst>
           </p:cNvPr>
@@ -850,7 +850,7 @@
             <a:fld id="{2E6ABFAD-102A-4B04-ABB2-230A8C1C7AF1}" type="datetime1">
               <a:rPr lang="en-US" smtClean="0"/>
               <a:pPr/>
-              <a:t>10/3/2023</a:t>
+              <a:t>10/4/2023</a:t>
             </a:fld>
             <a:endParaRPr lang="en-US" dirty="0"/>
           </a:p>
@@ -861,7 +861,7 @@
           <p:cNvPr id="5" name="Footer Placeholder 4">
             <a:extLst>
               <a:ext uri="{FF2B5EF4-FFF2-40B4-BE49-F238E27FC236}">
-                <a16:creationId xmlns="" xmlns:a16="http://schemas.microsoft.com/office/drawing/2014/main" id="{499B956C-4016-4DF6-99CE-2934ED21FCF3}"/>
+                <a16:creationId xmlns:a16="http://schemas.microsoft.com/office/drawing/2014/main" xmlns="" id="{499B956C-4016-4DF6-99CE-2934ED21FCF3}"/>
               </a:ext>
             </a:extLst>
           </p:cNvPr>
@@ -889,7 +889,7 @@
           <p:cNvPr id="6" name="Slide Number Placeholder 5">
             <a:extLst>
               <a:ext uri="{FF2B5EF4-FFF2-40B4-BE49-F238E27FC236}">
-                <a16:creationId xmlns="" xmlns:a16="http://schemas.microsoft.com/office/drawing/2014/main" id="{BBC417AB-76F7-4E9D-8BA1-1D8A849D41EF}"/>
+                <a16:creationId xmlns:a16="http://schemas.microsoft.com/office/drawing/2014/main" xmlns="" id="{BBC417AB-76F7-4E9D-8BA1-1D8A849D41EF}"/>
               </a:ext>
             </a:extLst>
           </p:cNvPr>
@@ -917,7 +917,7 @@
     </p:spTree>
     <p:extLst>
       <p:ext uri="{BB962C8B-B14F-4D97-AF65-F5344CB8AC3E}">
-        <p14:creationId xmlns="" xmlns:p14="http://schemas.microsoft.com/office/powerpoint/2010/main" val="3622286393"/>
+        <p14:creationId xmlns:p14="http://schemas.microsoft.com/office/powerpoint/2010/main" xmlns="" val="3622286393"/>
       </p:ext>
     </p:extLst>
   </p:cSld>
@@ -952,7 +952,7 @@
           <p:cNvPr id="2" name="Vertical Title 1">
             <a:extLst>
               <a:ext uri="{FF2B5EF4-FFF2-40B4-BE49-F238E27FC236}">
-                <a16:creationId xmlns="" xmlns:a16="http://schemas.microsoft.com/office/drawing/2014/main" id="{F3B27044-4F52-406B-BB99-4D025B860D1A}"/>
+                <a16:creationId xmlns:a16="http://schemas.microsoft.com/office/drawing/2014/main" xmlns="" id="{F3B27044-4F52-406B-BB99-4D025B860D1A}"/>
               </a:ext>
             </a:extLst>
           </p:cNvPr>
@@ -985,7 +985,7 @@
           <p:cNvPr id="3" name="Vertical Text Placeholder 2">
             <a:extLst>
               <a:ext uri="{FF2B5EF4-FFF2-40B4-BE49-F238E27FC236}">
-                <a16:creationId xmlns="" xmlns:a16="http://schemas.microsoft.com/office/drawing/2014/main" id="{48A8FD27-3341-45B5-8BDD-D3BAC03E359B}"/>
+                <a16:creationId xmlns:a16="http://schemas.microsoft.com/office/drawing/2014/main" xmlns="" id="{48A8FD27-3341-45B5-8BDD-D3BAC03E359B}"/>
               </a:ext>
             </a:extLst>
           </p:cNvPr>
@@ -1047,7 +1047,7 @@
           <p:cNvPr id="4" name="Date Placeholder 3">
             <a:extLst>
               <a:ext uri="{FF2B5EF4-FFF2-40B4-BE49-F238E27FC236}">
-                <a16:creationId xmlns="" xmlns:a16="http://schemas.microsoft.com/office/drawing/2014/main" id="{998968D2-07D2-480B-A9A6-5E51B356B07D}"/>
+                <a16:creationId xmlns:a16="http://schemas.microsoft.com/office/drawing/2014/main" xmlns="" id="{998968D2-07D2-480B-A9A6-5E51B356B07D}"/>
               </a:ext>
             </a:extLst>
           </p:cNvPr>
@@ -1066,7 +1066,7 @@
             <a:fld id="{0BEE4F76-CFCD-4DBF-BCDE-390366D33731}" type="datetime1">
               <a:rPr lang="en-US" smtClean="0"/>
               <a:pPr/>
-              <a:t>10/3/2023</a:t>
+              <a:t>10/4/2023</a:t>
             </a:fld>
             <a:endParaRPr lang="en-US" dirty="0"/>
           </a:p>
@@ -1077,7 +1077,7 @@
           <p:cNvPr id="5" name="Footer Placeholder 4">
             <a:extLst>
               <a:ext uri="{FF2B5EF4-FFF2-40B4-BE49-F238E27FC236}">
-                <a16:creationId xmlns="" xmlns:a16="http://schemas.microsoft.com/office/drawing/2014/main" id="{0F56A8E8-C822-4AC6-8A3B-CFF89A18A3AB}"/>
+                <a16:creationId xmlns:a16="http://schemas.microsoft.com/office/drawing/2014/main" xmlns="" id="{0F56A8E8-C822-4AC6-8A3B-CFF89A18A3AB}"/>
               </a:ext>
             </a:extLst>
           </p:cNvPr>
@@ -1105,7 +1105,7 @@
           <p:cNvPr id="6" name="Slide Number Placeholder 5">
             <a:extLst>
               <a:ext uri="{FF2B5EF4-FFF2-40B4-BE49-F238E27FC236}">
-                <a16:creationId xmlns="" xmlns:a16="http://schemas.microsoft.com/office/drawing/2014/main" id="{C6B1B67B-B4C3-4E8D-94E5-3B93A26A58E2}"/>
+                <a16:creationId xmlns:a16="http://schemas.microsoft.com/office/drawing/2014/main" xmlns="" id="{C6B1B67B-B4C3-4E8D-94E5-3B93A26A58E2}"/>
               </a:ext>
             </a:extLst>
           </p:cNvPr>
@@ -1133,7 +1133,7 @@
     </p:spTree>
     <p:extLst>
       <p:ext uri="{BB962C8B-B14F-4D97-AF65-F5344CB8AC3E}">
-        <p14:creationId xmlns="" xmlns:p14="http://schemas.microsoft.com/office/powerpoint/2010/main" val="1349164512"/>
+        <p14:creationId xmlns:p14="http://schemas.microsoft.com/office/powerpoint/2010/main" xmlns="" val="1349164512"/>
       </p:ext>
     </p:extLst>
   </p:cSld>
@@ -1168,7 +1168,7 @@
           <p:cNvPr id="2" name="Title 1">
             <a:extLst>
               <a:ext uri="{FF2B5EF4-FFF2-40B4-BE49-F238E27FC236}">
-                <a16:creationId xmlns="" xmlns:a16="http://schemas.microsoft.com/office/drawing/2014/main" id="{54F4F043-829D-413A-A126-F72A83AB8558}"/>
+                <a16:creationId xmlns:a16="http://schemas.microsoft.com/office/drawing/2014/main" xmlns="" id="{54F4F043-829D-413A-A126-F72A83AB8558}"/>
               </a:ext>
             </a:extLst>
           </p:cNvPr>
@@ -1196,7 +1196,7 @@
           <p:cNvPr id="3" name="Content Placeholder 2">
             <a:extLst>
               <a:ext uri="{FF2B5EF4-FFF2-40B4-BE49-F238E27FC236}">
-                <a16:creationId xmlns="" xmlns:a16="http://schemas.microsoft.com/office/drawing/2014/main" id="{DAC11FA6-E1F5-4C7F-8834-4CC71F5408C9}"/>
+                <a16:creationId xmlns:a16="http://schemas.microsoft.com/office/drawing/2014/main" xmlns="" id="{DAC11FA6-E1F5-4C7F-8834-4CC71F5408C9}"/>
               </a:ext>
             </a:extLst>
           </p:cNvPr>
@@ -1253,7 +1253,7 @@
           <p:cNvPr id="4" name="Date Placeholder 3">
             <a:extLst>
               <a:ext uri="{FF2B5EF4-FFF2-40B4-BE49-F238E27FC236}">
-                <a16:creationId xmlns="" xmlns:a16="http://schemas.microsoft.com/office/drawing/2014/main" id="{829A475B-E950-4954-BF58-8F6F00B1DDBF}"/>
+                <a16:creationId xmlns:a16="http://schemas.microsoft.com/office/drawing/2014/main" xmlns="" id="{829A475B-E950-4954-BF58-8F6F00B1DDBF}"/>
               </a:ext>
             </a:extLst>
           </p:cNvPr>
@@ -1272,7 +1272,7 @@
             <a:fld id="{CA3A438B-353E-4C33-B434-197AEABDC4F2}" type="datetime1">
               <a:rPr lang="en-US" smtClean="0"/>
               <a:pPr/>
-              <a:t>10/3/2023</a:t>
+              <a:t>10/4/2023</a:t>
             </a:fld>
             <a:endParaRPr lang="en-US" dirty="0"/>
           </a:p>
@@ -1283,7 +1283,7 @@
           <p:cNvPr id="5" name="Footer Placeholder 4">
             <a:extLst>
               <a:ext uri="{FF2B5EF4-FFF2-40B4-BE49-F238E27FC236}">
-                <a16:creationId xmlns="" xmlns:a16="http://schemas.microsoft.com/office/drawing/2014/main" id="{B1BE5C5D-8341-4293-82E6-BDD1E3E43CBF}"/>
+                <a16:creationId xmlns:a16="http://schemas.microsoft.com/office/drawing/2014/main" xmlns="" id="{B1BE5C5D-8341-4293-82E6-BDD1E3E43CBF}"/>
               </a:ext>
             </a:extLst>
           </p:cNvPr>
@@ -1311,7 +1311,7 @@
           <p:cNvPr id="6" name="Slide Number Placeholder 5">
             <a:extLst>
               <a:ext uri="{FF2B5EF4-FFF2-40B4-BE49-F238E27FC236}">
-                <a16:creationId xmlns="" xmlns:a16="http://schemas.microsoft.com/office/drawing/2014/main" id="{9A5560DB-16B1-4325-9177-86F6487BE3B7}"/>
+                <a16:creationId xmlns:a16="http://schemas.microsoft.com/office/drawing/2014/main" xmlns="" id="{9A5560DB-16B1-4325-9177-86F6487BE3B7}"/>
               </a:ext>
             </a:extLst>
           </p:cNvPr>
@@ -1339,7 +1339,7 @@
     </p:spTree>
     <p:extLst>
       <p:ext uri="{BB962C8B-B14F-4D97-AF65-F5344CB8AC3E}">
-        <p14:creationId xmlns="" xmlns:p14="http://schemas.microsoft.com/office/powerpoint/2010/main" val="1402948163"/>
+        <p14:creationId xmlns:p14="http://schemas.microsoft.com/office/powerpoint/2010/main" xmlns="" val="1402948163"/>
       </p:ext>
     </p:extLst>
   </p:cSld>
@@ -1374,7 +1374,7 @@
           <p:cNvPr id="2" name="Title 1">
             <a:extLst>
               <a:ext uri="{FF2B5EF4-FFF2-40B4-BE49-F238E27FC236}">
-                <a16:creationId xmlns="" xmlns:a16="http://schemas.microsoft.com/office/drawing/2014/main" id="{B382D4AE-FBC8-4D4B-BCA1-313E268E6613}"/>
+                <a16:creationId xmlns:a16="http://schemas.microsoft.com/office/drawing/2014/main" xmlns="" id="{B382D4AE-FBC8-4D4B-BCA1-313E268E6613}"/>
               </a:ext>
             </a:extLst>
           </p:cNvPr>
@@ -1411,7 +1411,7 @@
           <p:cNvPr id="3" name="Text Placeholder 2">
             <a:extLst>
               <a:ext uri="{FF2B5EF4-FFF2-40B4-BE49-F238E27FC236}">
-                <a16:creationId xmlns="" xmlns:a16="http://schemas.microsoft.com/office/drawing/2014/main" id="{28DD04D1-C632-4BFD-9D65-D64B798DEEE2}"/>
+                <a16:creationId xmlns:a16="http://schemas.microsoft.com/office/drawing/2014/main" xmlns="" id="{28DD04D1-C632-4BFD-9D65-D64B798DEEE2}"/>
               </a:ext>
             </a:extLst>
           </p:cNvPr>
@@ -1536,7 +1536,7 @@
           <p:cNvPr id="4" name="Date Placeholder 3">
             <a:extLst>
               <a:ext uri="{FF2B5EF4-FFF2-40B4-BE49-F238E27FC236}">
-                <a16:creationId xmlns="" xmlns:a16="http://schemas.microsoft.com/office/drawing/2014/main" id="{4FD3DD71-4E5A-4CA7-AEC2-955BA3EC921A}"/>
+                <a16:creationId xmlns:a16="http://schemas.microsoft.com/office/drawing/2014/main" xmlns="" id="{4FD3DD71-4E5A-4CA7-AEC2-955BA3EC921A}"/>
               </a:ext>
             </a:extLst>
           </p:cNvPr>
@@ -1555,7 +1555,7 @@
             <a:fld id="{74189231-F571-469A-91A9-E7737FABA7E9}" type="datetime1">
               <a:rPr lang="en-US" smtClean="0"/>
               <a:pPr/>
-              <a:t>10/3/2023</a:t>
+              <a:t>10/4/2023</a:t>
             </a:fld>
             <a:endParaRPr lang="en-US" dirty="0"/>
           </a:p>
@@ -1566,7 +1566,7 @@
           <p:cNvPr id="5" name="Footer Placeholder 4">
             <a:extLst>
               <a:ext uri="{FF2B5EF4-FFF2-40B4-BE49-F238E27FC236}">
-                <a16:creationId xmlns="" xmlns:a16="http://schemas.microsoft.com/office/drawing/2014/main" id="{93CEAB88-3544-4FB8-B01F-F9B5E310AED1}"/>
+                <a16:creationId xmlns:a16="http://schemas.microsoft.com/office/drawing/2014/main" xmlns="" id="{93CEAB88-3544-4FB8-B01F-F9B5E310AED1}"/>
               </a:ext>
             </a:extLst>
           </p:cNvPr>
@@ -1594,7 +1594,7 @@
           <p:cNvPr id="6" name="Slide Number Placeholder 5">
             <a:extLst>
               <a:ext uri="{FF2B5EF4-FFF2-40B4-BE49-F238E27FC236}">
-                <a16:creationId xmlns="" xmlns:a16="http://schemas.microsoft.com/office/drawing/2014/main" id="{41E81C48-C0AB-47E5-99D9-AEA25FE3F7A7}"/>
+                <a16:creationId xmlns:a16="http://schemas.microsoft.com/office/drawing/2014/main" xmlns="" id="{41E81C48-C0AB-47E5-99D9-AEA25FE3F7A7}"/>
               </a:ext>
             </a:extLst>
           </p:cNvPr>
@@ -1622,7 +1622,7 @@
     </p:spTree>
     <p:extLst>
       <p:ext uri="{BB962C8B-B14F-4D97-AF65-F5344CB8AC3E}">
-        <p14:creationId xmlns="" xmlns:p14="http://schemas.microsoft.com/office/powerpoint/2010/main" val="3035570627"/>
+        <p14:creationId xmlns:p14="http://schemas.microsoft.com/office/powerpoint/2010/main" xmlns="" val="3035570627"/>
       </p:ext>
     </p:extLst>
   </p:cSld>
@@ -1657,7 +1657,7 @@
           <p:cNvPr id="2" name="Title 1">
             <a:extLst>
               <a:ext uri="{FF2B5EF4-FFF2-40B4-BE49-F238E27FC236}">
-                <a16:creationId xmlns="" xmlns:a16="http://schemas.microsoft.com/office/drawing/2014/main" id="{E4710899-D022-4EF1-80D4-9EF0B83D8674}"/>
+                <a16:creationId xmlns:a16="http://schemas.microsoft.com/office/drawing/2014/main" xmlns="" id="{E4710899-D022-4EF1-80D4-9EF0B83D8674}"/>
               </a:ext>
             </a:extLst>
           </p:cNvPr>
@@ -1685,7 +1685,7 @@
           <p:cNvPr id="3" name="Content Placeholder 2">
             <a:extLst>
               <a:ext uri="{FF2B5EF4-FFF2-40B4-BE49-F238E27FC236}">
-                <a16:creationId xmlns="" xmlns:a16="http://schemas.microsoft.com/office/drawing/2014/main" id="{8E2C7A3C-F4D2-40A7-A772-0FA98A7E1E1D}"/>
+                <a16:creationId xmlns:a16="http://schemas.microsoft.com/office/drawing/2014/main" xmlns="" id="{8E2C7A3C-F4D2-40A7-A772-0FA98A7E1E1D}"/>
               </a:ext>
             </a:extLst>
           </p:cNvPr>
@@ -1747,7 +1747,7 @@
           <p:cNvPr id="4" name="Content Placeholder 3">
             <a:extLst>
               <a:ext uri="{FF2B5EF4-FFF2-40B4-BE49-F238E27FC236}">
-                <a16:creationId xmlns="" xmlns:a16="http://schemas.microsoft.com/office/drawing/2014/main" id="{AA48360C-9611-47F9-AA37-FC9DAAA57B4C}"/>
+                <a16:creationId xmlns:a16="http://schemas.microsoft.com/office/drawing/2014/main" xmlns="" id="{AA48360C-9611-47F9-AA37-FC9DAAA57B4C}"/>
               </a:ext>
             </a:extLst>
           </p:cNvPr>
@@ -1809,7 +1809,7 @@
           <p:cNvPr id="5" name="Date Placeholder 4">
             <a:extLst>
               <a:ext uri="{FF2B5EF4-FFF2-40B4-BE49-F238E27FC236}">
-                <a16:creationId xmlns="" xmlns:a16="http://schemas.microsoft.com/office/drawing/2014/main" id="{B05EE82D-CC38-4581-9AA3-14139CC12088}"/>
+                <a16:creationId xmlns:a16="http://schemas.microsoft.com/office/drawing/2014/main" xmlns="" id="{B05EE82D-CC38-4581-9AA3-14139CC12088}"/>
               </a:ext>
             </a:extLst>
           </p:cNvPr>
@@ -1828,7 +1828,7 @@
             <a:fld id="{8645B47F-C42C-4E6F-AB73-530F46A47C50}" type="datetime1">
               <a:rPr lang="en-US" smtClean="0"/>
               <a:pPr/>
-              <a:t>10/3/2023</a:t>
+              <a:t>10/4/2023</a:t>
             </a:fld>
             <a:endParaRPr lang="en-US" dirty="0"/>
           </a:p>
@@ -1839,7 +1839,7 @@
           <p:cNvPr id="6" name="Footer Placeholder 5">
             <a:extLst>
               <a:ext uri="{FF2B5EF4-FFF2-40B4-BE49-F238E27FC236}">
-                <a16:creationId xmlns="" xmlns:a16="http://schemas.microsoft.com/office/drawing/2014/main" id="{A39656C4-4D02-441E-B694-782EA1DD29BE}"/>
+                <a16:creationId xmlns:a16="http://schemas.microsoft.com/office/drawing/2014/main" xmlns="" id="{A39656C4-4D02-441E-B694-782EA1DD29BE}"/>
               </a:ext>
             </a:extLst>
           </p:cNvPr>
@@ -1867,7 +1867,7 @@
           <p:cNvPr id="7" name="Slide Number Placeholder 6">
             <a:extLst>
               <a:ext uri="{FF2B5EF4-FFF2-40B4-BE49-F238E27FC236}">
-                <a16:creationId xmlns="" xmlns:a16="http://schemas.microsoft.com/office/drawing/2014/main" id="{78CA09D1-73A0-4D3D-846F-B70A8B0471AB}"/>
+                <a16:creationId xmlns:a16="http://schemas.microsoft.com/office/drawing/2014/main" xmlns="" id="{78CA09D1-73A0-4D3D-846F-B70A8B0471AB}"/>
               </a:ext>
             </a:extLst>
           </p:cNvPr>
@@ -1895,7 +1895,7 @@
     </p:spTree>
     <p:extLst>
       <p:ext uri="{BB962C8B-B14F-4D97-AF65-F5344CB8AC3E}">
-        <p14:creationId xmlns="" xmlns:p14="http://schemas.microsoft.com/office/powerpoint/2010/main" val="507307847"/>
+        <p14:creationId xmlns:p14="http://schemas.microsoft.com/office/powerpoint/2010/main" xmlns="" val="507307847"/>
       </p:ext>
     </p:extLst>
   </p:cSld>
@@ -1930,7 +1930,7 @@
           <p:cNvPr id="2" name="Title 1">
             <a:extLst>
               <a:ext uri="{FF2B5EF4-FFF2-40B4-BE49-F238E27FC236}">
-                <a16:creationId xmlns="" xmlns:a16="http://schemas.microsoft.com/office/drawing/2014/main" id="{143D082E-CB32-4F17-9C6F-C3BEA0B24198}"/>
+                <a16:creationId xmlns:a16="http://schemas.microsoft.com/office/drawing/2014/main" xmlns="" id="{143D082E-CB32-4F17-9C6F-C3BEA0B24198}"/>
               </a:ext>
             </a:extLst>
           </p:cNvPr>
@@ -1963,7 +1963,7 @@
           <p:cNvPr id="3" name="Text Placeholder 2">
             <a:extLst>
               <a:ext uri="{FF2B5EF4-FFF2-40B4-BE49-F238E27FC236}">
-                <a16:creationId xmlns="" xmlns:a16="http://schemas.microsoft.com/office/drawing/2014/main" id="{38883727-4DBA-4B07-9D6E-909A776163D9}"/>
+                <a16:creationId xmlns:a16="http://schemas.microsoft.com/office/drawing/2014/main" xmlns="" id="{38883727-4DBA-4B07-9D6E-909A776163D9}"/>
               </a:ext>
             </a:extLst>
           </p:cNvPr>
@@ -2034,7 +2034,7 @@
           <p:cNvPr id="4" name="Content Placeholder 3">
             <a:extLst>
               <a:ext uri="{FF2B5EF4-FFF2-40B4-BE49-F238E27FC236}">
-                <a16:creationId xmlns="" xmlns:a16="http://schemas.microsoft.com/office/drawing/2014/main" id="{68F66788-45C7-445D-AC53-759DA524D6FC}"/>
+                <a16:creationId xmlns:a16="http://schemas.microsoft.com/office/drawing/2014/main" xmlns="" id="{68F66788-45C7-445D-AC53-759DA524D6FC}"/>
               </a:ext>
             </a:extLst>
           </p:cNvPr>
@@ -2096,7 +2096,7 @@
           <p:cNvPr id="5" name="Text Placeholder 4">
             <a:extLst>
               <a:ext uri="{FF2B5EF4-FFF2-40B4-BE49-F238E27FC236}">
-                <a16:creationId xmlns="" xmlns:a16="http://schemas.microsoft.com/office/drawing/2014/main" id="{4EA720CB-BB39-4B06-ADE1-994BED00625F}"/>
+                <a16:creationId xmlns:a16="http://schemas.microsoft.com/office/drawing/2014/main" xmlns="" id="{4EA720CB-BB39-4B06-ADE1-994BED00625F}"/>
               </a:ext>
             </a:extLst>
           </p:cNvPr>
@@ -2167,7 +2167,7 @@
           <p:cNvPr id="6" name="Content Placeholder 5">
             <a:extLst>
               <a:ext uri="{FF2B5EF4-FFF2-40B4-BE49-F238E27FC236}">
-                <a16:creationId xmlns="" xmlns:a16="http://schemas.microsoft.com/office/drawing/2014/main" id="{AE06B3F2-B751-4476-8C25-2EBC53EDFCDE}"/>
+                <a16:creationId xmlns:a16="http://schemas.microsoft.com/office/drawing/2014/main" xmlns="" id="{AE06B3F2-B751-4476-8C25-2EBC53EDFCDE}"/>
               </a:ext>
             </a:extLst>
           </p:cNvPr>
@@ -2229,7 +2229,7 @@
           <p:cNvPr id="7" name="Date Placeholder 6">
             <a:extLst>
               <a:ext uri="{FF2B5EF4-FFF2-40B4-BE49-F238E27FC236}">
-                <a16:creationId xmlns="" xmlns:a16="http://schemas.microsoft.com/office/drawing/2014/main" id="{2928C91F-15D8-4192-B91A-223002E2620C}"/>
+                <a16:creationId xmlns:a16="http://schemas.microsoft.com/office/drawing/2014/main" xmlns="" id="{2928C91F-15D8-4192-B91A-223002E2620C}"/>
               </a:ext>
             </a:extLst>
           </p:cNvPr>
@@ -2248,7 +2248,7 @@
             <a:fld id="{A4409137-C597-451C-AA5B-0CA6CCA56DF3}" type="datetime1">
               <a:rPr lang="en-US" smtClean="0"/>
               <a:pPr/>
-              <a:t>10/3/2023</a:t>
+              <a:t>10/4/2023</a:t>
             </a:fld>
             <a:endParaRPr lang="en-US" dirty="0"/>
           </a:p>
@@ -2259,7 +2259,7 @@
           <p:cNvPr id="8" name="Footer Placeholder 7">
             <a:extLst>
               <a:ext uri="{FF2B5EF4-FFF2-40B4-BE49-F238E27FC236}">
-                <a16:creationId xmlns="" xmlns:a16="http://schemas.microsoft.com/office/drawing/2014/main" id="{3744D044-46D1-4F3B-8D33-EA968303CC70}"/>
+                <a16:creationId xmlns:a16="http://schemas.microsoft.com/office/drawing/2014/main" xmlns="" id="{3744D044-46D1-4F3B-8D33-EA968303CC70}"/>
               </a:ext>
             </a:extLst>
           </p:cNvPr>
@@ -2287,7 +2287,7 @@
           <p:cNvPr id="9" name="Slide Number Placeholder 8">
             <a:extLst>
               <a:ext uri="{FF2B5EF4-FFF2-40B4-BE49-F238E27FC236}">
-                <a16:creationId xmlns="" xmlns:a16="http://schemas.microsoft.com/office/drawing/2014/main" id="{094C0651-0AF3-4139-9FE6-15DBBFBD529F}"/>
+                <a16:creationId xmlns:a16="http://schemas.microsoft.com/office/drawing/2014/main" xmlns="" id="{094C0651-0AF3-4139-9FE6-15DBBFBD529F}"/>
               </a:ext>
             </a:extLst>
           </p:cNvPr>
@@ -2315,7 +2315,7 @@
     </p:spTree>
     <p:extLst>
       <p:ext uri="{BB962C8B-B14F-4D97-AF65-F5344CB8AC3E}">
-        <p14:creationId xmlns="" xmlns:p14="http://schemas.microsoft.com/office/powerpoint/2010/main" val="395766802"/>
+        <p14:creationId xmlns:p14="http://schemas.microsoft.com/office/powerpoint/2010/main" xmlns="" val="395766802"/>
       </p:ext>
     </p:extLst>
   </p:cSld>
@@ -2350,7 +2350,7 @@
           <p:cNvPr id="2" name="Title 1">
             <a:extLst>
               <a:ext uri="{FF2B5EF4-FFF2-40B4-BE49-F238E27FC236}">
-                <a16:creationId xmlns="" xmlns:a16="http://schemas.microsoft.com/office/drawing/2014/main" id="{FF99FC1D-E4BD-41DB-B1CF-88AC86CB9B26}"/>
+                <a16:creationId xmlns:a16="http://schemas.microsoft.com/office/drawing/2014/main" xmlns="" id="{FF99FC1D-E4BD-41DB-B1CF-88AC86CB9B26}"/>
               </a:ext>
             </a:extLst>
           </p:cNvPr>
@@ -2378,7 +2378,7 @@
           <p:cNvPr id="3" name="Date Placeholder 2">
             <a:extLst>
               <a:ext uri="{FF2B5EF4-FFF2-40B4-BE49-F238E27FC236}">
-                <a16:creationId xmlns="" xmlns:a16="http://schemas.microsoft.com/office/drawing/2014/main" id="{4C72A98F-5206-488B-B0F6-73EB52F80A37}"/>
+                <a16:creationId xmlns:a16="http://schemas.microsoft.com/office/drawing/2014/main" xmlns="" id="{4C72A98F-5206-488B-B0F6-73EB52F80A37}"/>
               </a:ext>
             </a:extLst>
           </p:cNvPr>
@@ -2397,7 +2397,7 @@
             <a:fld id="{F392B6CF-B624-449C-A6BA-FAB3DB1042C2}" type="datetime1">
               <a:rPr lang="en-US" smtClean="0"/>
               <a:pPr/>
-              <a:t>10/3/2023</a:t>
+              <a:t>10/4/2023</a:t>
             </a:fld>
             <a:endParaRPr lang="en-US" dirty="0"/>
           </a:p>
@@ -2408,7 +2408,7 @@
           <p:cNvPr id="4" name="Footer Placeholder 3">
             <a:extLst>
               <a:ext uri="{FF2B5EF4-FFF2-40B4-BE49-F238E27FC236}">
-                <a16:creationId xmlns="" xmlns:a16="http://schemas.microsoft.com/office/drawing/2014/main" id="{53545FB9-AAE3-472C-9DD1-40D26E996005}"/>
+                <a16:creationId xmlns:a16="http://schemas.microsoft.com/office/drawing/2014/main" xmlns="" id="{53545FB9-AAE3-472C-9DD1-40D26E996005}"/>
               </a:ext>
             </a:extLst>
           </p:cNvPr>
@@ -2436,7 +2436,7 @@
           <p:cNvPr id="5" name="Slide Number Placeholder 4">
             <a:extLst>
               <a:ext uri="{FF2B5EF4-FFF2-40B4-BE49-F238E27FC236}">
-                <a16:creationId xmlns="" xmlns:a16="http://schemas.microsoft.com/office/drawing/2014/main" id="{B65CBBC4-5F65-4F8B-9D2A-F2E34DDEF169}"/>
+                <a16:creationId xmlns:a16="http://schemas.microsoft.com/office/drawing/2014/main" xmlns="" id="{B65CBBC4-5F65-4F8B-9D2A-F2E34DDEF169}"/>
               </a:ext>
             </a:extLst>
           </p:cNvPr>
@@ -2464,7 +2464,7 @@
     </p:spTree>
     <p:extLst>
       <p:ext uri="{BB962C8B-B14F-4D97-AF65-F5344CB8AC3E}">
-        <p14:creationId xmlns="" xmlns:p14="http://schemas.microsoft.com/office/powerpoint/2010/main" val="4025480238"/>
+        <p14:creationId xmlns:p14="http://schemas.microsoft.com/office/powerpoint/2010/main" xmlns="" val="4025480238"/>
       </p:ext>
     </p:extLst>
   </p:cSld>
@@ -2499,7 +2499,7 @@
           <p:cNvPr id="2" name="Date Placeholder 1">
             <a:extLst>
               <a:ext uri="{FF2B5EF4-FFF2-40B4-BE49-F238E27FC236}">
-                <a16:creationId xmlns="" xmlns:a16="http://schemas.microsoft.com/office/drawing/2014/main" id="{C239AD66-C890-45B3-960D-78ED6E4C653F}"/>
+                <a16:creationId xmlns:a16="http://schemas.microsoft.com/office/drawing/2014/main" xmlns="" id="{C239AD66-C890-45B3-960D-78ED6E4C653F}"/>
               </a:ext>
             </a:extLst>
           </p:cNvPr>
@@ -2518,7 +2518,7 @@
             <a:fld id="{171EA0EB-845D-4CA1-885D-6F096FD81E39}" type="datetime1">
               <a:rPr lang="en-US" smtClean="0"/>
               <a:pPr/>
-              <a:t>10/3/2023</a:t>
+              <a:t>10/4/2023</a:t>
             </a:fld>
             <a:endParaRPr lang="en-US" dirty="0"/>
           </a:p>
@@ -2529,7 +2529,7 @@
           <p:cNvPr id="3" name="Footer Placeholder 2">
             <a:extLst>
               <a:ext uri="{FF2B5EF4-FFF2-40B4-BE49-F238E27FC236}">
-                <a16:creationId xmlns="" xmlns:a16="http://schemas.microsoft.com/office/drawing/2014/main" id="{56ABD619-1CCB-4F1C-8F0F-AC620D1A1773}"/>
+                <a16:creationId xmlns:a16="http://schemas.microsoft.com/office/drawing/2014/main" xmlns="" id="{56ABD619-1CCB-4F1C-8F0F-AC620D1A1773}"/>
               </a:ext>
             </a:extLst>
           </p:cNvPr>
@@ -2557,7 +2557,7 @@
           <p:cNvPr id="4" name="Slide Number Placeholder 3">
             <a:extLst>
               <a:ext uri="{FF2B5EF4-FFF2-40B4-BE49-F238E27FC236}">
-                <a16:creationId xmlns="" xmlns:a16="http://schemas.microsoft.com/office/drawing/2014/main" id="{EA8A7BB3-1EE4-42B3-BA02-FC5004CAD205}"/>
+                <a16:creationId xmlns:a16="http://schemas.microsoft.com/office/drawing/2014/main" xmlns="" id="{EA8A7BB3-1EE4-42B3-BA02-FC5004CAD205}"/>
               </a:ext>
             </a:extLst>
           </p:cNvPr>
@@ -2585,7 +2585,7 @@
     </p:spTree>
     <p:extLst>
       <p:ext uri="{BB962C8B-B14F-4D97-AF65-F5344CB8AC3E}">
-        <p14:creationId xmlns="" xmlns:p14="http://schemas.microsoft.com/office/powerpoint/2010/main" val="562608516"/>
+        <p14:creationId xmlns:p14="http://schemas.microsoft.com/office/powerpoint/2010/main" xmlns="" val="562608516"/>
       </p:ext>
     </p:extLst>
   </p:cSld>
@@ -2620,7 +2620,7 @@
           <p:cNvPr id="2" name="Title 1">
             <a:extLst>
               <a:ext uri="{FF2B5EF4-FFF2-40B4-BE49-F238E27FC236}">
-                <a16:creationId xmlns="" xmlns:a16="http://schemas.microsoft.com/office/drawing/2014/main" id="{C3D01484-0CE9-4250-B1C7-F38C809711E3}"/>
+                <a16:creationId xmlns:a16="http://schemas.microsoft.com/office/drawing/2014/main" xmlns="" id="{C3D01484-0CE9-4250-B1C7-F38C809711E3}"/>
               </a:ext>
             </a:extLst>
           </p:cNvPr>
@@ -2657,7 +2657,7 @@
           <p:cNvPr id="3" name="Content Placeholder 2">
             <a:extLst>
               <a:ext uri="{FF2B5EF4-FFF2-40B4-BE49-F238E27FC236}">
-                <a16:creationId xmlns="" xmlns:a16="http://schemas.microsoft.com/office/drawing/2014/main" id="{183AA695-9520-40BE-9DEE-3D3B94B9D0B0}"/>
+                <a16:creationId xmlns:a16="http://schemas.microsoft.com/office/drawing/2014/main" xmlns="" id="{183AA695-9520-40BE-9DEE-3D3B94B9D0B0}"/>
               </a:ext>
             </a:extLst>
           </p:cNvPr>
@@ -2747,7 +2747,7 @@
           <p:cNvPr id="4" name="Text Placeholder 3">
             <a:extLst>
               <a:ext uri="{FF2B5EF4-FFF2-40B4-BE49-F238E27FC236}">
-                <a16:creationId xmlns="" xmlns:a16="http://schemas.microsoft.com/office/drawing/2014/main" id="{1420E300-F1FA-4238-948D-02A64D6A08A3}"/>
+                <a16:creationId xmlns:a16="http://schemas.microsoft.com/office/drawing/2014/main" xmlns="" id="{1420E300-F1FA-4238-948D-02A64D6A08A3}"/>
               </a:ext>
             </a:extLst>
           </p:cNvPr>
@@ -2818,7 +2818,7 @@
           <p:cNvPr id="5" name="Date Placeholder 4">
             <a:extLst>
               <a:ext uri="{FF2B5EF4-FFF2-40B4-BE49-F238E27FC236}">
-                <a16:creationId xmlns="" xmlns:a16="http://schemas.microsoft.com/office/drawing/2014/main" id="{A6BDA586-6472-497B-902D-A14C96DE7894}"/>
+                <a16:creationId xmlns:a16="http://schemas.microsoft.com/office/drawing/2014/main" xmlns="" id="{A6BDA586-6472-497B-902D-A14C96DE7894}"/>
               </a:ext>
             </a:extLst>
           </p:cNvPr>
@@ -2837,7 +2837,7 @@
             <a:fld id="{034586C9-C8D5-4804-B4A7-343C05555BF9}" type="datetime1">
               <a:rPr lang="en-US" smtClean="0"/>
               <a:pPr/>
-              <a:t>10/3/2023</a:t>
+              <a:t>10/4/2023</a:t>
             </a:fld>
             <a:endParaRPr lang="en-US" dirty="0"/>
           </a:p>
@@ -2848,7 +2848,7 @@
           <p:cNvPr id="6" name="Footer Placeholder 5">
             <a:extLst>
               <a:ext uri="{FF2B5EF4-FFF2-40B4-BE49-F238E27FC236}">
-                <a16:creationId xmlns="" xmlns:a16="http://schemas.microsoft.com/office/drawing/2014/main" id="{F0B86BC6-AA7B-43E5-9EC7-691E01CFF55D}"/>
+                <a16:creationId xmlns:a16="http://schemas.microsoft.com/office/drawing/2014/main" xmlns="" id="{F0B86BC6-AA7B-43E5-9EC7-691E01CFF55D}"/>
               </a:ext>
             </a:extLst>
           </p:cNvPr>
@@ -2876,7 +2876,7 @@
           <p:cNvPr id="7" name="Slide Number Placeholder 6">
             <a:extLst>
               <a:ext uri="{FF2B5EF4-FFF2-40B4-BE49-F238E27FC236}">
-                <a16:creationId xmlns="" xmlns:a16="http://schemas.microsoft.com/office/drawing/2014/main" id="{A1AC5357-B4BD-4864-A422-B82CA729C366}"/>
+                <a16:creationId xmlns:a16="http://schemas.microsoft.com/office/drawing/2014/main" xmlns="" id="{A1AC5357-B4BD-4864-A422-B82CA729C366}"/>
               </a:ext>
             </a:extLst>
           </p:cNvPr>
@@ -2904,7 +2904,7 @@
     </p:spTree>
     <p:extLst>
       <p:ext uri="{BB962C8B-B14F-4D97-AF65-F5344CB8AC3E}">
-        <p14:creationId xmlns="" xmlns:p14="http://schemas.microsoft.com/office/powerpoint/2010/main" val="1477598195"/>
+        <p14:creationId xmlns:p14="http://schemas.microsoft.com/office/powerpoint/2010/main" xmlns="" val="1477598195"/>
       </p:ext>
     </p:extLst>
   </p:cSld>
@@ -2939,7 +2939,7 @@
           <p:cNvPr id="2" name="Title 1">
             <a:extLst>
               <a:ext uri="{FF2B5EF4-FFF2-40B4-BE49-F238E27FC236}">
-                <a16:creationId xmlns="" xmlns:a16="http://schemas.microsoft.com/office/drawing/2014/main" id="{971DBF04-80E4-4932-9673-6C53D6FDEA6E}"/>
+                <a16:creationId xmlns:a16="http://schemas.microsoft.com/office/drawing/2014/main" xmlns="" id="{971DBF04-80E4-4932-9673-6C53D6FDEA6E}"/>
               </a:ext>
             </a:extLst>
           </p:cNvPr>
@@ -2976,7 +2976,7 @@
           <p:cNvPr id="3" name="Picture Placeholder 2">
             <a:extLst>
               <a:ext uri="{FF2B5EF4-FFF2-40B4-BE49-F238E27FC236}">
-                <a16:creationId xmlns="" xmlns:a16="http://schemas.microsoft.com/office/drawing/2014/main" id="{8E52454F-6BA1-4287-8BC8-FD7E0FF070E1}"/>
+                <a16:creationId xmlns:a16="http://schemas.microsoft.com/office/drawing/2014/main" xmlns="" id="{8E52454F-6BA1-4287-8BC8-FD7E0FF070E1}"/>
               </a:ext>
             </a:extLst>
           </p:cNvPr>
@@ -3043,7 +3043,7 @@
           <p:cNvPr id="4" name="Text Placeholder 3">
             <a:extLst>
               <a:ext uri="{FF2B5EF4-FFF2-40B4-BE49-F238E27FC236}">
-                <a16:creationId xmlns="" xmlns:a16="http://schemas.microsoft.com/office/drawing/2014/main" id="{C06AF170-4A8D-4D68-B455-C061F9FB4BCE}"/>
+                <a16:creationId xmlns:a16="http://schemas.microsoft.com/office/drawing/2014/main" xmlns="" id="{C06AF170-4A8D-4D68-B455-C061F9FB4BCE}"/>
               </a:ext>
             </a:extLst>
           </p:cNvPr>
@@ -3114,7 +3114,7 @@
           <p:cNvPr id="5" name="Date Placeholder 4">
             <a:extLst>
               <a:ext uri="{FF2B5EF4-FFF2-40B4-BE49-F238E27FC236}">
-                <a16:creationId xmlns="" xmlns:a16="http://schemas.microsoft.com/office/drawing/2014/main" id="{052C78FC-44EE-4577-85E7-C84FE3361620}"/>
+                <a16:creationId xmlns:a16="http://schemas.microsoft.com/office/drawing/2014/main" xmlns="" id="{052C78FC-44EE-4577-85E7-C84FE3361620}"/>
               </a:ext>
             </a:extLst>
           </p:cNvPr>
@@ -3133,7 +3133,7 @@
             <a:fld id="{C678801E-C1A2-4C46-B404-CC030D4B77C7}" type="datetime1">
               <a:rPr lang="en-US" smtClean="0"/>
               <a:pPr/>
-              <a:t>10/3/2023</a:t>
+              <a:t>10/4/2023</a:t>
             </a:fld>
             <a:endParaRPr lang="en-US" dirty="0"/>
           </a:p>
@@ -3144,7 +3144,7 @@
           <p:cNvPr id="6" name="Footer Placeholder 5">
             <a:extLst>
               <a:ext uri="{FF2B5EF4-FFF2-40B4-BE49-F238E27FC236}">
-                <a16:creationId xmlns="" xmlns:a16="http://schemas.microsoft.com/office/drawing/2014/main" id="{C66A1889-DEB1-4862-9887-E0C0C22E7EDA}"/>
+                <a16:creationId xmlns:a16="http://schemas.microsoft.com/office/drawing/2014/main" xmlns="" id="{C66A1889-DEB1-4862-9887-E0C0C22E7EDA}"/>
               </a:ext>
             </a:extLst>
           </p:cNvPr>
@@ -3172,7 +3172,7 @@
           <p:cNvPr id="7" name="Slide Number Placeholder 6">
             <a:extLst>
               <a:ext uri="{FF2B5EF4-FFF2-40B4-BE49-F238E27FC236}">
-                <a16:creationId xmlns="" xmlns:a16="http://schemas.microsoft.com/office/drawing/2014/main" id="{72D50B8F-0656-4E09-92B3-86413E58689B}"/>
+                <a16:creationId xmlns:a16="http://schemas.microsoft.com/office/drawing/2014/main" xmlns="" id="{72D50B8F-0656-4E09-92B3-86413E58689B}"/>
               </a:ext>
             </a:extLst>
           </p:cNvPr>
@@ -3200,7 +3200,7 @@
     </p:spTree>
     <p:extLst>
       <p:ext uri="{BB962C8B-B14F-4D97-AF65-F5344CB8AC3E}">
-        <p14:creationId xmlns="" xmlns:p14="http://schemas.microsoft.com/office/powerpoint/2010/main" val="10924557"/>
+        <p14:creationId xmlns:p14="http://schemas.microsoft.com/office/powerpoint/2010/main" xmlns="" val="10924557"/>
       </p:ext>
     </p:extLst>
   </p:cSld>
@@ -3247,7 +3247,7 @@
           <p:cNvPr id="2" name="Title Placeholder 1">
             <a:extLst>
               <a:ext uri="{FF2B5EF4-FFF2-40B4-BE49-F238E27FC236}">
-                <a16:creationId xmlns="" xmlns:a16="http://schemas.microsoft.com/office/drawing/2014/main" id="{25DE186D-9302-4521-A1A1-C93D5FB02F79}"/>
+                <a16:creationId xmlns:a16="http://schemas.microsoft.com/office/drawing/2014/main" xmlns="" id="{25DE186D-9302-4521-A1A1-C93D5FB02F79}"/>
               </a:ext>
             </a:extLst>
           </p:cNvPr>
@@ -3285,7 +3285,7 @@
           <p:cNvPr id="3" name="Text Placeholder 2">
             <a:extLst>
               <a:ext uri="{FF2B5EF4-FFF2-40B4-BE49-F238E27FC236}">
-                <a16:creationId xmlns="" xmlns:a16="http://schemas.microsoft.com/office/drawing/2014/main" id="{C61F9401-1658-4BF4-A799-7D41BEE092C7}"/>
+                <a16:creationId xmlns:a16="http://schemas.microsoft.com/office/drawing/2014/main" xmlns="" id="{C61F9401-1658-4BF4-A799-7D41BEE092C7}"/>
               </a:ext>
             </a:extLst>
           </p:cNvPr>
@@ -3352,7 +3352,7 @@
           <p:cNvPr id="4" name="Date Placeholder 3">
             <a:extLst>
               <a:ext uri="{FF2B5EF4-FFF2-40B4-BE49-F238E27FC236}">
-                <a16:creationId xmlns="" xmlns:a16="http://schemas.microsoft.com/office/drawing/2014/main" id="{1E254453-4F53-479B-99F7-F81DA4B7E752}"/>
+                <a16:creationId xmlns:a16="http://schemas.microsoft.com/office/drawing/2014/main" xmlns="" id="{1E254453-4F53-479B-99F7-F81DA4B7E752}"/>
               </a:ext>
             </a:extLst>
           </p:cNvPr>
@@ -3389,7 +3389,7 @@
             <a:fld id="{7AC86955-E882-46C1-B9D1-A2AFD9CE6C82}" type="datetime1">
               <a:rPr lang="en-US" smtClean="0"/>
               <a:pPr/>
-              <a:t>10/3/2023</a:t>
+              <a:t>10/4/2023</a:t>
             </a:fld>
             <a:endParaRPr lang="en-US" dirty="0"/>
           </a:p>
@@ -3400,7 +3400,7 @@
           <p:cNvPr id="5" name="Footer Placeholder 4">
             <a:extLst>
               <a:ext uri="{FF2B5EF4-FFF2-40B4-BE49-F238E27FC236}">
-                <a16:creationId xmlns="" xmlns:a16="http://schemas.microsoft.com/office/drawing/2014/main" id="{2F7D9AF5-4CC8-449B-A6CF-05E848D1C55C}"/>
+                <a16:creationId xmlns:a16="http://schemas.microsoft.com/office/drawing/2014/main" xmlns="" id="{2F7D9AF5-4CC8-449B-A6CF-05E848D1C55C}"/>
               </a:ext>
             </a:extLst>
           </p:cNvPr>
@@ -3446,7 +3446,7 @@
           <p:cNvPr id="6" name="Slide Number Placeholder 5">
             <a:extLst>
               <a:ext uri="{FF2B5EF4-FFF2-40B4-BE49-F238E27FC236}">
-                <a16:creationId xmlns="" xmlns:a16="http://schemas.microsoft.com/office/drawing/2014/main" id="{BD17B2E7-FB94-47B1-88F5-81304FA9E048}"/>
+                <a16:creationId xmlns:a16="http://schemas.microsoft.com/office/drawing/2014/main" xmlns="" id="{BD17B2E7-FB94-47B1-88F5-81304FA9E048}"/>
               </a:ext>
             </a:extLst>
           </p:cNvPr>
@@ -3492,7 +3492,7 @@
     </p:spTree>
     <p:extLst>
       <p:ext uri="{BB962C8B-B14F-4D97-AF65-F5344CB8AC3E}">
-        <p14:creationId xmlns="" xmlns:p14="http://schemas.microsoft.com/office/powerpoint/2010/main" val="3353340235"/>
+        <p14:creationId xmlns:p14="http://schemas.microsoft.com/office/powerpoint/2010/main" xmlns="" val="3353340235"/>
       </p:ext>
     </p:extLst>
   </p:cSld>
@@ -3819,7 +3819,7 @@
           <p:cNvPr id="2" name="Title 1">
             <a:extLst>
               <a:ext uri="{FF2B5EF4-FFF2-40B4-BE49-F238E27FC236}">
-                <a16:creationId xmlns="" xmlns:a16="http://schemas.microsoft.com/office/drawing/2014/main" id="{A8A11E26-4C38-41A6-9857-11032CEECD80}"/>
+                <a16:creationId xmlns:a16="http://schemas.microsoft.com/office/drawing/2014/main" xmlns="" id="{A8A11E26-4C38-41A6-9857-11032CEECD80}"/>
               </a:ext>
             </a:extLst>
           </p:cNvPr>
@@ -3920,10 +3920,10 @@
                 <a:latin typeface="Arial" pitchFamily="34" charset="0"/>
                 <a:cs typeface="Arial" pitchFamily="34" charset="0"/>
               </a:rPr>
-              <a:t>      TS- </a:t>
-            </a:r>
-            <a:r>
-              <a:rPr lang="en-US" sz="3200" b="1" dirty="0">
+              <a:t>  </a:t>
+            </a:r>
+            <a:r>
+              <a:rPr lang="en-US" sz="3200" b="1" dirty="0" smtClean="0">
                 <a:solidFill>
                   <a:schemeClr val="accent1">
                     <a:lumMod val="75000"/>
@@ -3932,8 +3932,17 @@
                 <a:latin typeface="Arial" pitchFamily="34" charset="0"/>
                 <a:cs typeface="Arial" pitchFamily="34" charset="0"/>
               </a:rPr>
-              <a:t>WEB/CC/AI TRACK CAPSTONE PROJECT</a:t>
-            </a:r>
+              <a:t>Track1_Applied_CC_for_Software_Development</a:t>
+            </a:r>
+            <a:endParaRPr lang="en-US" sz="3200" b="1" dirty="0">
+              <a:solidFill>
+                <a:schemeClr val="accent1">
+                  <a:lumMod val="75000"/>
+                </a:schemeClr>
+              </a:solidFill>
+              <a:latin typeface="Arial" pitchFamily="34" charset="0"/>
+              <a:cs typeface="Arial" pitchFamily="34" charset="0"/>
+            </a:endParaRPr>
           </a:p>
         </p:txBody>
       </p:sp>
@@ -4166,7 +4175,7 @@
     </p:spTree>
     <p:extLst>
       <p:ext uri="{BB962C8B-B14F-4D97-AF65-F5344CB8AC3E}">
-        <p14:creationId xmlns="" xmlns:p14="http://schemas.microsoft.com/office/powerpoint/2010/main" val="953325580"/>
+        <p14:creationId xmlns:p14="http://schemas.microsoft.com/office/powerpoint/2010/main" xmlns="" val="953325580"/>
       </p:ext>
     </p:extLst>
   </p:cSld>
@@ -4208,7 +4217,7 @@
           <p:cNvPr id="5" name="Title 4">
             <a:extLst>
               <a:ext uri="{FF2B5EF4-FFF2-40B4-BE49-F238E27FC236}">
-                <a16:creationId xmlns="" xmlns:a16="http://schemas.microsoft.com/office/drawing/2014/main" id="{8FBA75B4-2DD5-42EB-9397-F36BFB8BA723}"/>
+                <a16:creationId xmlns:a16="http://schemas.microsoft.com/office/drawing/2014/main" xmlns="" id="{8FBA75B4-2DD5-42EB-9397-F36BFB8BA723}"/>
               </a:ext>
             </a:extLst>
           </p:cNvPr>
@@ -4251,7 +4260,7 @@
           <p:cNvPr id="6" name="Subtitle 5">
             <a:extLst>
               <a:ext uri="{FF2B5EF4-FFF2-40B4-BE49-F238E27FC236}">
-                <a16:creationId xmlns="" xmlns:a16="http://schemas.microsoft.com/office/drawing/2014/main" id="{8141C437-8C09-4E84-9ED8-FB6E2FF0795F}"/>
+                <a16:creationId xmlns:a16="http://schemas.microsoft.com/office/drawing/2014/main" xmlns="" id="{8141C437-8C09-4E84-9ED8-FB6E2FF0795F}"/>
               </a:ext>
             </a:extLst>
           </p:cNvPr>
@@ -4325,7 +4334,7 @@
     </p:spTree>
     <p:extLst>
       <p:ext uri="{BB962C8B-B14F-4D97-AF65-F5344CB8AC3E}">
-        <p14:creationId xmlns="" xmlns:p14="http://schemas.microsoft.com/office/powerpoint/2010/main" val="4154508776"/>
+        <p14:creationId xmlns:p14="http://schemas.microsoft.com/office/powerpoint/2010/main" xmlns="" val="4154508776"/>
       </p:ext>
     </p:extLst>
   </p:cSld>
@@ -4571,11 +4580,7 @@
           <a:p>
             <a:r>
               <a:rPr lang="en-US" dirty="0" smtClean="0"/>
-              <a:t>Certainly, here are more concise references for a movie application website project</a:t>
-            </a:r>
-            <a:r>
-              <a:rPr lang="en-US" dirty="0" smtClean="0"/>
-              <a:t>:</a:t>
+              <a:t>Certainly, here are more concise references for a movie application website project:</a:t>
             </a:r>
           </a:p>
           <a:p>
@@ -4600,7 +4605,7 @@
                 <a:hlinkClick r:id="rId2">
                   <a:extLst>
                     <a:ext uri="{A12FA001-AC4F-418D-AE19-62706E023703}">
-                      <ahyp:hlinkClr xmlns="" xmlns:ahyp="http://schemas.microsoft.com/office/drawing/2018/hyperlinkcolor" xmlns:lc="http://schemas.openxmlformats.org/drawingml/2006/lockedCanvas" val="tx"/>
+                      <ahyp:hlinkClr xmlns:lc="http://schemas.openxmlformats.org/drawingml/2006/lockedCanvas" xmlns:ahyp="http://schemas.microsoft.com/office/drawing/2018/hyperlinkcolor" xmlns="" val="tx"/>
                     </a:ext>
                   </a:extLst>
                 </a:hlinkClick>
@@ -4634,7 +4639,7 @@
                 <a:hlinkClick r:id="rId3">
                   <a:extLst>
                     <a:ext uri="{A12FA001-AC4F-418D-AE19-62706E023703}">
-                      <ahyp:hlinkClr xmlns="" xmlns:ahyp="http://schemas.microsoft.com/office/drawing/2018/hyperlinkcolor" xmlns:lc="http://schemas.openxmlformats.org/drawingml/2006/lockedCanvas" val="tx"/>
+                      <ahyp:hlinkClr xmlns:lc="http://schemas.openxmlformats.org/drawingml/2006/lockedCanvas" xmlns:ahyp="http://schemas.microsoft.com/office/drawing/2018/hyperlinkcolor" xmlns="" val="tx"/>
                     </a:ext>
                   </a:extLst>
                 </a:hlinkClick>
@@ -4657,13 +4662,6 @@
               </a:rPr>
               <a:t>GITHUB LINK</a:t>
             </a:r>
-            <a:endParaRPr lang="en-US" sz="3200" b="1" dirty="0" smtClean="0">
-              <a:solidFill>
-                <a:schemeClr val="accent5">
-                  <a:lumMod val="75000"/>
-                </a:schemeClr>
-              </a:solidFill>
-            </a:endParaRPr>
           </a:p>
           <a:p>
             <a:r>
@@ -4795,14 +4793,7 @@
                 <a:latin typeface="Times New Roman" pitchFamily="18" charset="0"/>
                 <a:cs typeface="Times New Roman" pitchFamily="18" charset="0"/>
               </a:rPr>
-              <a:t>The future scope of a movie application website can be expansive, with opportunities for growth and improvement. Here are some potential areas for future development and </a:t>
-            </a:r>
-            <a:r>
-              <a:rPr lang="en-US" dirty="0" smtClean="0">
-                <a:latin typeface="Times New Roman" pitchFamily="18" charset="0"/>
-                <a:cs typeface="Times New Roman" pitchFamily="18" charset="0"/>
-              </a:rPr>
-              <a:t>enhancement:</a:t>
+              <a:t>The future scope of a movie application website can be expansive, with opportunities for growth and improvement. Here are some potential areas for future development and enhancement:</a:t>
             </a:r>
           </a:p>
           <a:p>
@@ -4815,14 +4806,7 @@
                 <a:latin typeface="Times New Roman" pitchFamily="18" charset="0"/>
                 <a:cs typeface="Times New Roman" pitchFamily="18" charset="0"/>
               </a:rPr>
-              <a:t>Internationalization </a:t>
-            </a:r>
-            <a:r>
-              <a:rPr lang="en-US" b="1" dirty="0" smtClean="0">
-                <a:latin typeface="Times New Roman" pitchFamily="18" charset="0"/>
-                <a:cs typeface="Times New Roman" pitchFamily="18" charset="0"/>
-              </a:rPr>
-              <a:t>and Localization:</a:t>
+              <a:t>Internationalization and Localization:</a:t>
             </a:r>
             <a:endParaRPr lang="en-US" dirty="0" smtClean="0">
               <a:latin typeface="Times New Roman" pitchFamily="18" charset="0"/>
@@ -4881,14 +4865,7 @@
                 <a:latin typeface="Times New Roman" pitchFamily="18" charset="0"/>
                 <a:cs typeface="Times New Roman" pitchFamily="18" charset="0"/>
               </a:rPr>
-              <a:t> </a:t>
-            </a:r>
-            <a:r>
-              <a:rPr lang="en-US" dirty="0" smtClean="0">
-                <a:latin typeface="Times New Roman" pitchFamily="18" charset="0"/>
-                <a:cs typeface="Times New Roman" pitchFamily="18" charset="0"/>
-              </a:rPr>
-              <a:t>history, enhancing the user experience.</a:t>
+              <a:t> history, enhancing the user experience.</a:t>
             </a:r>
           </a:p>
           <a:p>
@@ -5028,7 +5005,7 @@
           <p:cNvPr id="5" name="Title 4">
             <a:extLst>
               <a:ext uri="{FF2B5EF4-FFF2-40B4-BE49-F238E27FC236}">
-                <a16:creationId xmlns="" xmlns:a16="http://schemas.microsoft.com/office/drawing/2014/main" id="{8BE4CA82-64EC-4D4E-A5E5-3EBB66E7B24C}"/>
+                <a16:creationId xmlns:a16="http://schemas.microsoft.com/office/drawing/2014/main" xmlns="" id="{8BE4CA82-64EC-4D4E-A5E5-3EBB66E7B24C}"/>
               </a:ext>
             </a:extLst>
           </p:cNvPr>
@@ -5121,7 +5098,7 @@
     </p:spTree>
     <p:extLst>
       <p:ext uri="{BB962C8B-B14F-4D97-AF65-F5344CB8AC3E}">
-        <p14:creationId xmlns="" xmlns:p14="http://schemas.microsoft.com/office/powerpoint/2010/main" val="4066255318"/>
+        <p14:creationId xmlns:p14="http://schemas.microsoft.com/office/powerpoint/2010/main" xmlns="" val="4066255318"/>
       </p:ext>
     </p:extLst>
   </p:cSld>
@@ -5163,7 +5140,7 @@
           <p:cNvPr id="2" name="Title 1">
             <a:extLst>
               <a:ext uri="{FF2B5EF4-FFF2-40B4-BE49-F238E27FC236}">
-                <a16:creationId xmlns="" xmlns:a16="http://schemas.microsoft.com/office/drawing/2014/main" id="{49FFEB4C-F209-4AE7-AA2B-B3C26CE2C51D}"/>
+                <a16:creationId xmlns:a16="http://schemas.microsoft.com/office/drawing/2014/main" xmlns="" id="{49FFEB4C-F209-4AE7-AA2B-B3C26CE2C51D}"/>
               </a:ext>
             </a:extLst>
           </p:cNvPr>
@@ -5202,7 +5179,7 @@
           <p:cNvPr id="3" name="Content Placeholder 2">
             <a:extLst>
               <a:ext uri="{FF2B5EF4-FFF2-40B4-BE49-F238E27FC236}">
-                <a16:creationId xmlns="" xmlns:a16="http://schemas.microsoft.com/office/drawing/2014/main" id="{B2678641-EEA3-4EC4-BF39-4075B0C120E8}"/>
+                <a16:creationId xmlns:a16="http://schemas.microsoft.com/office/drawing/2014/main" xmlns="" id="{B2678641-EEA3-4EC4-BF39-4075B0C120E8}"/>
               </a:ext>
             </a:extLst>
           </p:cNvPr>
@@ -5391,7 +5368,7 @@
     </p:spTree>
     <p:extLst>
       <p:ext uri="{BB962C8B-B14F-4D97-AF65-F5344CB8AC3E}">
-        <p14:creationId xmlns="" xmlns:p14="http://schemas.microsoft.com/office/powerpoint/2010/main" val="2900153716"/>
+        <p14:creationId xmlns:p14="http://schemas.microsoft.com/office/powerpoint/2010/main" xmlns="" val="2900153716"/>
       </p:ext>
     </p:extLst>
   </p:cSld>
@@ -5433,7 +5410,7 @@
           <p:cNvPr id="5" name="Title 4">
             <a:extLst>
               <a:ext uri="{FF2B5EF4-FFF2-40B4-BE49-F238E27FC236}">
-                <a16:creationId xmlns="" xmlns:a16="http://schemas.microsoft.com/office/drawing/2014/main" id="{8FBA75B4-2DD5-42EB-9397-F36BFB8BA723}"/>
+                <a16:creationId xmlns:a16="http://schemas.microsoft.com/office/drawing/2014/main" xmlns="" id="{8FBA75B4-2DD5-42EB-9397-F36BFB8BA723}"/>
               </a:ext>
             </a:extLst>
           </p:cNvPr>
@@ -5475,7 +5452,7 @@
           <p:cNvPr id="6" name="Subtitle 5">
             <a:extLst>
               <a:ext uri="{FF2B5EF4-FFF2-40B4-BE49-F238E27FC236}">
-                <a16:creationId xmlns="" xmlns:a16="http://schemas.microsoft.com/office/drawing/2014/main" id="{8141C437-8C09-4E84-9ED8-FB6E2FF0795F}"/>
+                <a16:creationId xmlns:a16="http://schemas.microsoft.com/office/drawing/2014/main" xmlns="" id="{8141C437-8C09-4E84-9ED8-FB6E2FF0795F}"/>
               </a:ext>
             </a:extLst>
           </p:cNvPr>
@@ -5604,7 +5581,7 @@
     </p:spTree>
     <p:extLst>
       <p:ext uri="{BB962C8B-B14F-4D97-AF65-F5344CB8AC3E}">
-        <p14:creationId xmlns="" xmlns:p14="http://schemas.microsoft.com/office/powerpoint/2010/main" val="1186421160"/>
+        <p14:creationId xmlns:p14="http://schemas.microsoft.com/office/powerpoint/2010/main" xmlns="" val="1186421160"/>
       </p:ext>
     </p:extLst>
   </p:cSld>
@@ -5646,7 +5623,7 @@
           <p:cNvPr id="5" name="Title 4">
             <a:extLst>
               <a:ext uri="{FF2B5EF4-FFF2-40B4-BE49-F238E27FC236}">
-                <a16:creationId xmlns="" xmlns:a16="http://schemas.microsoft.com/office/drawing/2014/main" id="{8FBA75B4-2DD5-42EB-9397-F36BFB8BA723}"/>
+                <a16:creationId xmlns:a16="http://schemas.microsoft.com/office/drawing/2014/main" xmlns="" id="{8FBA75B4-2DD5-42EB-9397-F36BFB8BA723}"/>
               </a:ext>
             </a:extLst>
           </p:cNvPr>
@@ -5688,7 +5665,7 @@
           <p:cNvPr id="6" name="Subtitle 5">
             <a:extLst>
               <a:ext uri="{FF2B5EF4-FFF2-40B4-BE49-F238E27FC236}">
-                <a16:creationId xmlns="" xmlns:a16="http://schemas.microsoft.com/office/drawing/2014/main" id="{8141C437-8C09-4E84-9ED8-FB6E2FF0795F}"/>
+                <a16:creationId xmlns:a16="http://schemas.microsoft.com/office/drawing/2014/main" xmlns="" id="{8141C437-8C09-4E84-9ED8-FB6E2FF0795F}"/>
               </a:ext>
             </a:extLst>
           </p:cNvPr>
@@ -5939,7 +5916,7 @@
     </p:spTree>
     <p:extLst>
       <p:ext uri="{BB962C8B-B14F-4D97-AF65-F5344CB8AC3E}">
-        <p14:creationId xmlns="" xmlns:p14="http://schemas.microsoft.com/office/powerpoint/2010/main" val="1186421160"/>
+        <p14:creationId xmlns:p14="http://schemas.microsoft.com/office/powerpoint/2010/main" xmlns="" val="1186421160"/>
       </p:ext>
     </p:extLst>
   </p:cSld>
@@ -5981,7 +5958,7 @@
           <p:cNvPr id="5" name="Title 4">
             <a:extLst>
               <a:ext uri="{FF2B5EF4-FFF2-40B4-BE49-F238E27FC236}">
-                <a16:creationId xmlns="" xmlns:a16="http://schemas.microsoft.com/office/drawing/2014/main" id="{8FBA75B4-2DD5-42EB-9397-F36BFB8BA723}"/>
+                <a16:creationId xmlns:a16="http://schemas.microsoft.com/office/drawing/2014/main" xmlns="" id="{8FBA75B4-2DD5-42EB-9397-F36BFB8BA723}"/>
               </a:ext>
             </a:extLst>
           </p:cNvPr>
@@ -6023,7 +6000,7 @@
           <p:cNvPr id="6" name="Subtitle 5">
             <a:extLst>
               <a:ext uri="{FF2B5EF4-FFF2-40B4-BE49-F238E27FC236}">
-                <a16:creationId xmlns="" xmlns:a16="http://schemas.microsoft.com/office/drawing/2014/main" id="{8141C437-8C09-4E84-9ED8-FB6E2FF0795F}"/>
+                <a16:creationId xmlns:a16="http://schemas.microsoft.com/office/drawing/2014/main" xmlns="" id="{8141C437-8C09-4E84-9ED8-FB6E2FF0795F}"/>
               </a:ext>
             </a:extLst>
           </p:cNvPr>
@@ -6177,7 +6154,7 @@
     </p:spTree>
     <p:extLst>
       <p:ext uri="{BB962C8B-B14F-4D97-AF65-F5344CB8AC3E}">
-        <p14:creationId xmlns="" xmlns:p14="http://schemas.microsoft.com/office/powerpoint/2010/main" val="1186421160"/>
+        <p14:creationId xmlns:p14="http://schemas.microsoft.com/office/powerpoint/2010/main" xmlns="" val="1186421160"/>
       </p:ext>
     </p:extLst>
   </p:cSld>
@@ -6219,7 +6196,7 @@
           <p:cNvPr id="5" name="Title 4">
             <a:extLst>
               <a:ext uri="{FF2B5EF4-FFF2-40B4-BE49-F238E27FC236}">
-                <a16:creationId xmlns="" xmlns:a16="http://schemas.microsoft.com/office/drawing/2014/main" id="{8FBA75B4-2DD5-42EB-9397-F36BFB8BA723}"/>
+                <a16:creationId xmlns:a16="http://schemas.microsoft.com/office/drawing/2014/main" xmlns="" id="{8FBA75B4-2DD5-42EB-9397-F36BFB8BA723}"/>
               </a:ext>
             </a:extLst>
           </p:cNvPr>
@@ -6261,7 +6238,7 @@
           <p:cNvPr id="6" name="Subtitle 5">
             <a:extLst>
               <a:ext uri="{FF2B5EF4-FFF2-40B4-BE49-F238E27FC236}">
-                <a16:creationId xmlns="" xmlns:a16="http://schemas.microsoft.com/office/drawing/2014/main" id="{8141C437-8C09-4E84-9ED8-FB6E2FF0795F}"/>
+                <a16:creationId xmlns:a16="http://schemas.microsoft.com/office/drawing/2014/main" xmlns="" id="{8141C437-8C09-4E84-9ED8-FB6E2FF0795F}"/>
               </a:ext>
             </a:extLst>
           </p:cNvPr>
@@ -6333,7 +6310,7 @@
     </p:spTree>
     <p:extLst>
       <p:ext uri="{BB962C8B-B14F-4D97-AF65-F5344CB8AC3E}">
-        <p14:creationId xmlns="" xmlns:p14="http://schemas.microsoft.com/office/powerpoint/2010/main" val="1186421160"/>
+        <p14:creationId xmlns:p14="http://schemas.microsoft.com/office/powerpoint/2010/main" xmlns="" val="1186421160"/>
       </p:ext>
     </p:extLst>
   </p:cSld>
@@ -6488,7 +6465,7 @@
           <p:cNvPr id="5" name="Title 4">
             <a:extLst>
               <a:ext uri="{FF2B5EF4-FFF2-40B4-BE49-F238E27FC236}">
-                <a16:creationId xmlns="" xmlns:a16="http://schemas.microsoft.com/office/drawing/2014/main" id="{8FBA75B4-2DD5-42EB-9397-F36BFB8BA723}"/>
+                <a16:creationId xmlns:a16="http://schemas.microsoft.com/office/drawing/2014/main" xmlns="" id="{8FBA75B4-2DD5-42EB-9397-F36BFB8BA723}"/>
               </a:ext>
             </a:extLst>
           </p:cNvPr>
@@ -6537,7 +6514,7 @@
           <p:cNvPr id="6" name="Subtitle 5">
             <a:extLst>
               <a:ext uri="{FF2B5EF4-FFF2-40B4-BE49-F238E27FC236}">
-                <a16:creationId xmlns="" xmlns:a16="http://schemas.microsoft.com/office/drawing/2014/main" id="{8141C437-8C09-4E84-9ED8-FB6E2FF0795F}"/>
+                <a16:creationId xmlns:a16="http://schemas.microsoft.com/office/drawing/2014/main" xmlns="" id="{8141C437-8C09-4E84-9ED8-FB6E2FF0795F}"/>
               </a:ext>
             </a:extLst>
           </p:cNvPr>
@@ -6618,7 +6595,7 @@
     </p:spTree>
     <p:extLst>
       <p:ext uri="{BB962C8B-B14F-4D97-AF65-F5344CB8AC3E}">
-        <p14:creationId xmlns="" xmlns:p14="http://schemas.microsoft.com/office/powerpoint/2010/main" val="3202024527"/>
+        <p14:creationId xmlns:p14="http://schemas.microsoft.com/office/powerpoint/2010/main" xmlns="" val="3202024527"/>
       </p:ext>
     </p:extLst>
   </p:cSld>
@@ -7037,7 +7014,7 @@
   <a:extraClrSchemeLst/>
   <a:extLst>
     <a:ext uri="{05A4C25C-085E-4340-85A3-A5531E510DB2}">
-      <thm15:themeFamily xmlns="" xmlns:thm15="http://schemas.microsoft.com/office/thememl/2012/main" name="Office Theme" id="{62F939B6-93AF-4DB8-9C6B-D6C7DFDC589F}" vid="{4A3C46E8-61CC-4603-A589-7422A47A8E4A}"/>
+      <thm15:themeFamily xmlns:thm15="http://schemas.microsoft.com/office/thememl/2012/main" xmlns="" name="Office Theme" id="{62F939B6-93AF-4DB8-9C6B-D6C7DFDC589F}" vid="{4A3C46E8-61CC-4603-A589-7422A47A8E4A}"/>
     </a:ext>
   </a:extLst>
 </a:theme>
